--- a/week3/week3_slides.pptx
+++ b/week3/week3_slides.pptx
@@ -6,10 +6,10 @@
     <p:sldMasterId id="2147483651" r:id="rId3"/>
   </p:sldMasterIdLst>
   <p:notesMasterIdLst>
-    <p:notesMasterId r:id="rId27"/>
+    <p:notesMasterId r:id="rId28"/>
   </p:notesMasterIdLst>
   <p:handoutMasterIdLst>
-    <p:handoutMasterId r:id="rId28"/>
+    <p:handoutMasterId r:id="rId29"/>
   </p:handoutMasterIdLst>
   <p:sldIdLst>
     <p:sldId id="256" r:id="rId4"/>
@@ -32,9 +32,10 @@
     <p:sldId id="455" r:id="rId21"/>
     <p:sldId id="456" r:id="rId22"/>
     <p:sldId id="378" r:id="rId23"/>
-    <p:sldId id="381" r:id="rId24"/>
-    <p:sldId id="457" r:id="rId25"/>
-    <p:sldId id="289" r:id="rId26"/>
+    <p:sldId id="466" r:id="rId24"/>
+    <p:sldId id="381" r:id="rId25"/>
+    <p:sldId id="457" r:id="rId26"/>
+    <p:sldId id="289" r:id="rId27"/>
   </p:sldIdLst>
   <p:sldSz cx="12192000" cy="6858000"/>
   <p:notesSz cx="6858000" cy="9144000"/>
@@ -5022,7 +5023,7 @@
                 <a:latin typeface="Microsoft YaHei" panose="020B0503020204020204" pitchFamily="34" charset="-122"/>
                 <a:ea typeface="Microsoft YaHei" panose="020B0503020204020204" pitchFamily="34" charset="-122"/>
               </a:rPr>
-              <a:t>2.1</a:t>
+              <a:t>2.3</a:t>
             </a:r>
             <a:endParaRPr lang="en-US" altLang="zh-CN" sz="2800" b="1" dirty="0">
               <a:solidFill>
@@ -5359,7 +5360,7 @@
                 <a:latin typeface="Microsoft YaHei" panose="020B0503020204020204" pitchFamily="34" charset="-122"/>
                 <a:ea typeface="Microsoft YaHei" panose="020B0503020204020204" pitchFamily="34" charset="-122"/>
               </a:rPr>
-              <a:t>2.1</a:t>
+              <a:t>2.4</a:t>
             </a:r>
             <a:endParaRPr lang="en-US" altLang="zh-CN" sz="2800" b="1" dirty="0">
               <a:solidFill>
@@ -5696,7 +5697,7 @@
                 <a:latin typeface="Microsoft YaHei" panose="020B0503020204020204" pitchFamily="34" charset="-122"/>
                 <a:ea typeface="Microsoft YaHei" panose="020B0503020204020204" pitchFamily="34" charset="-122"/>
               </a:rPr>
-              <a:t>2.1</a:t>
+              <a:t>2.5</a:t>
             </a:r>
             <a:endParaRPr lang="en-US" altLang="zh-CN" sz="2800" b="1" dirty="0">
               <a:solidFill>
@@ -6033,7 +6034,7 @@
                 <a:latin typeface="Microsoft YaHei" panose="020B0503020204020204" pitchFamily="34" charset="-122"/>
                 <a:ea typeface="Microsoft YaHei" panose="020B0503020204020204" pitchFamily="34" charset="-122"/>
               </a:rPr>
-              <a:t>2.1</a:t>
+              <a:t>2.6</a:t>
             </a:r>
             <a:endParaRPr lang="en-US" altLang="zh-CN" sz="2800" b="1" dirty="0">
               <a:solidFill>
@@ -7208,7 +7209,7 @@
                 <a:latin typeface="Microsoft YaHei" panose="020B0503020204020204" pitchFamily="34" charset="-122"/>
                 <a:ea typeface="Microsoft YaHei" panose="020B0503020204020204" pitchFamily="34" charset="-122"/>
               </a:rPr>
-              <a:t>4.1</a:t>
+              <a:t>3.2</a:t>
             </a:r>
             <a:endParaRPr lang="en-US" altLang="zh-CN" sz="2800" b="1" dirty="0">
               <a:solidFill>
@@ -7545,7 +7546,7 @@
                 <a:latin typeface="Microsoft YaHei" panose="020B0503020204020204" pitchFamily="34" charset="-122"/>
                 <a:ea typeface="Microsoft YaHei" panose="020B0503020204020204" pitchFamily="34" charset="-122"/>
               </a:rPr>
-              <a:t>4.1</a:t>
+              <a:t>3.3</a:t>
             </a:r>
             <a:endParaRPr lang="en-US" altLang="zh-CN" sz="2800" b="1" dirty="0">
               <a:solidFill>
@@ -7882,7 +7883,7 @@
                 <a:latin typeface="Microsoft YaHei" panose="020B0503020204020204" pitchFamily="34" charset="-122"/>
                 <a:ea typeface="Microsoft YaHei" panose="020B0503020204020204" pitchFamily="34" charset="-122"/>
               </a:rPr>
-              <a:t>4.1</a:t>
+              <a:t>3.4</a:t>
             </a:r>
             <a:endParaRPr lang="en-US" altLang="zh-CN" sz="2800" b="1" dirty="0">
               <a:solidFill>
@@ -8164,7 +8165,6 @@
           <a:p>
             <a:r>
               <a:rPr lang="en-US">
-                <a:ln/>
                 <a:solidFill>
                   <a:schemeClr val="accent1"/>
                 </a:solidFill>
@@ -8179,7 +8179,6 @@
               <a:t>Double-Ended Queue (collections.deque)</a:t>
             </a:r>
             <a:endParaRPr lang="en-US">
-              <a:ln/>
               <a:solidFill>
                 <a:schemeClr val="accent1"/>
               </a:solidFill>
@@ -8195,7 +8194,6 @@
           <a:p>
             <a:r>
               <a:rPr lang="en-US">
-                <a:ln/>
                 <a:solidFill>
                   <a:schemeClr val="accent1"/>
                 </a:solidFill>
@@ -8210,7 +8208,6 @@
               <a:t>- Pop from Front or Back in O(1) time</a:t>
             </a:r>
             <a:endParaRPr lang="en-US">
-              <a:ln/>
               <a:solidFill>
                 <a:schemeClr val="accent1"/>
               </a:solidFill>
@@ -8410,7 +8407,7 @@
                 <a:latin typeface="Microsoft YaHei" panose="020B0503020204020204" pitchFamily="34" charset="-122"/>
                 <a:ea typeface="Microsoft YaHei" panose="020B0503020204020204" pitchFamily="34" charset="-122"/>
               </a:rPr>
-              <a:t>4.1</a:t>
+              <a:t>3.5</a:t>
             </a:r>
             <a:endParaRPr lang="en-US" altLang="zh-CN" sz="2800" b="1" dirty="0">
               <a:solidFill>
@@ -10701,7 +10698,7 @@
                 <a:cs typeface="+mn-cs"/>
                 <a:sym typeface="+mn-ea"/>
               </a:rPr>
-              <a:t>Remove Adjacent Duplicates in String</a:t>
+              <a:t>Implement a Simple Calculator</a:t>
             </a:r>
             <a:endParaRPr kumimoji="0" lang="en-US" altLang="zh-CN" sz="2800" b="1" i="0" u="none" strike="noStrike" kern="1200" cap="none" spc="0" normalizeH="0" baseline="0" noProof="0" dirty="0">
               <a:ln>
@@ -10742,45 +10739,70 @@
           <a:bodyPr/>
           <a:p>
             <a:r>
-              <a:rPr lang="en-US"/>
-              <a:t>You are given a string s consisting of lowercase English letters. A duplicate removal consists of choosing two adjacent and equal letters and removing them.</a:t>
+              <a:rPr lang="en-US" sz="2000"/>
+              <a:t>You are given a list of inputs, consisting of either an integer, or one of the four basic math operators (+, -, *, /). </a:t>
             </a:r>
-            <a:endParaRPr lang="en-US"/>
+            <a:endParaRPr lang="en-US" sz="2000"/>
           </a:p>
           <a:p>
             <a:r>
-              <a:rPr lang="en-US"/>
-              <a:t>We repeatedly make duplicate removals on s until we no longer can.</a:t>
+              <a:rPr lang="en-US" sz="2000"/>
+              <a:t>Your task is to build a simple calculator that will evaluate these inputs and return the final result</a:t>
             </a:r>
-            <a:endParaRPr lang="en-US"/>
-          </a:p>
-          <a:p>
+            <a:endParaRPr lang="en-US" sz="2000"/>
+          </a:p>
+          <a:p>
+            <a:pPr lvl="1"/>
             <a:r>
-              <a:rPr lang="en-US"/>
-              <a:t>Return the final string after all such duplicate removals have been made. It can be proven that the answer is unique.</a:t>
+              <a:rPr lang="en-US" sz="1710"/>
+              <a:t>Use Integer division to return the result as an integer</a:t>
             </a:r>
-            <a:endParaRPr lang="en-US"/>
+            <a:endParaRPr lang="en-US" sz="1710"/>
           </a:p>
           <a:p>
             <a:r>
-              <a:rPr lang="en-US" sz="2000" i="1"/>
-              <a:t>Input: s = "abbaca"</a:t>
+              <a:rPr lang="en-US" sz="2000"/>
+              <a:t>Example input: [3, 3, “+”, 2, “-”, 2, “*”]</a:t>
             </a:r>
-            <a:endParaRPr lang="en-US" sz="2000" i="1"/>
+            <a:endParaRPr lang="en-US" sz="2000"/>
           </a:p>
           <a:p>
             <a:r>
-              <a:rPr lang="en-US" sz="2000" i="1"/>
-              <a:t>Output: "ca"</a:t>
+              <a:rPr lang="en-US" sz="2000"/>
+              <a:t>Example output: 8</a:t>
             </a:r>
-            <a:endParaRPr lang="en-US" sz="2000" i="1"/>
+            <a:endParaRPr lang="en-US" sz="2000"/>
           </a:p>
           <a:p>
             <a:r>
-              <a:rPr lang="en-US" sz="2000" i="1"/>
-              <a:t>For example, in "abbaca" we could remove "bb" since the letters are adjacent and equal, and this is the only possible move.  The result of this move is that the string is "aaca", of which only "aa" is possible, so the final string is "ca".</a:t>
+              <a:rPr lang="en-US" sz="2000"/>
+              <a:t>Explaination: We’re evaluating this list of inputs in sequence:</a:t>
             </a:r>
-            <a:endParaRPr lang="en-US" sz="2000" i="1"/>
+            <a:endParaRPr lang="en-US" sz="2000"/>
+          </a:p>
+          <a:p>
+            <a:pPr lvl="1"/>
+            <a:r>
+              <a:rPr lang="en-US" sz="1710"/>
+              <a:t>3 + 3 = 6</a:t>
+            </a:r>
+            <a:endParaRPr lang="en-US" sz="1710"/>
+          </a:p>
+          <a:p>
+            <a:pPr lvl="1"/>
+            <a:r>
+              <a:rPr lang="en-US" sz="1710"/>
+              <a:t>6 - 2 = 4</a:t>
+            </a:r>
+            <a:endParaRPr lang="en-US" sz="1710"/>
+          </a:p>
+          <a:p>
+            <a:pPr lvl="1"/>
+            <a:r>
+              <a:rPr lang="en-US" sz="1710"/>
+              <a:t>4 * 2 = 8 -&gt; return this as output</a:t>
+            </a:r>
+            <a:endParaRPr lang="en-US" sz="1710"/>
           </a:p>
         </p:txBody>
       </p:sp>
@@ -10969,7 +10991,7 @@
                 <a:latin typeface="Microsoft YaHei" panose="020B0503020204020204" pitchFamily="34" charset="-122"/>
                 <a:ea typeface="Microsoft YaHei" panose="020B0503020204020204" pitchFamily="34" charset="-122"/>
               </a:rPr>
-              <a:t>4.1</a:t>
+              <a:t>4.2</a:t>
             </a:r>
             <a:endParaRPr lang="en-US" altLang="zh-CN" sz="2800" b="1" dirty="0">
               <a:solidFill>
@@ -11072,6 +11094,377 @@
                 <a:cs typeface="+mn-cs"/>
                 <a:sym typeface="+mn-ea"/>
               </a:rPr>
+              <a:t>Remove Adjacent Duplicates in String</a:t>
+            </a:r>
+            <a:endParaRPr kumimoji="0" lang="en-US" altLang="zh-CN" sz="2800" b="1" i="0" u="none" strike="noStrike" kern="1200" cap="none" spc="0" normalizeH="0" baseline="0" noProof="0" dirty="0">
+              <a:ln>
+                <a:noFill/>
+              </a:ln>
+              <a:solidFill>
+                <a:schemeClr val="tx1">
+                  <a:lumMod val="85000"/>
+                  <a:lumOff val="15000"/>
+                </a:schemeClr>
+              </a:solidFill>
+              <a:effectLst/>
+              <a:uLnTx/>
+              <a:uFillTx/>
+              <a:latin typeface="Microsoft YaHei" panose="020B0503020204020204" pitchFamily="34" charset="-122"/>
+              <a:ea typeface="Microsoft YaHei" panose="020B0503020204020204" pitchFamily="34" charset="-122"/>
+              <a:cs typeface="+mn-cs"/>
+              <a:sym typeface="+mn-ea"/>
+            </a:endParaRPr>
+          </a:p>
+        </p:txBody>
+      </p:sp>
+      <p:sp>
+        <p:nvSpPr>
+          <p:cNvPr id="3" name="Content Placeholder 2"/>
+          <p:cNvSpPr/>
+          <p:nvPr>
+            <p:ph idx="1"/>
+          </p:nvPr>
+        </p:nvSpPr>
+        <p:spPr>
+          <a:xfrm>
+            <a:off x="890905" y="1183640"/>
+            <a:ext cx="10515600" cy="4351338"/>
+          </a:xfrm>
+        </p:spPr>
+        <p:txBody>
+          <a:bodyPr/>
+          <a:p>
+            <a:r>
+              <a:rPr lang="en-US"/>
+              <a:t>You are given a string s consisting of lowercase English letters. A duplicate removal consists of choosing two adjacent and equal letters and removing them.</a:t>
+            </a:r>
+            <a:endParaRPr lang="en-US"/>
+          </a:p>
+          <a:p>
+            <a:r>
+              <a:rPr lang="en-US"/>
+              <a:t>We repeatedly make duplicate removals on s until we no longer can.</a:t>
+            </a:r>
+            <a:endParaRPr lang="en-US"/>
+          </a:p>
+          <a:p>
+            <a:r>
+              <a:rPr lang="en-US"/>
+              <a:t>Return the final string after all such duplicate removals have been made. It can be proven that the answer is unique.</a:t>
+            </a:r>
+            <a:endParaRPr lang="en-US"/>
+          </a:p>
+          <a:p>
+            <a:r>
+              <a:rPr lang="en-US" sz="2000" i="1"/>
+              <a:t>Input: s = "abbaca"</a:t>
+            </a:r>
+            <a:endParaRPr lang="en-US" sz="2000" i="1"/>
+          </a:p>
+          <a:p>
+            <a:r>
+              <a:rPr lang="en-US" sz="2000" i="1"/>
+              <a:t>Output: "ca"</a:t>
+            </a:r>
+            <a:endParaRPr lang="en-US" sz="2000" i="1"/>
+          </a:p>
+          <a:p>
+            <a:r>
+              <a:rPr lang="en-US" sz="2000" i="1"/>
+              <a:t>For example, in "abbaca" we could remove "bb" since the letters are adjacent and equal, and this is the only possible move.  The result of this move is that the string is "aaca", of which only "aa" is possible, so the final string is "ca".</a:t>
+            </a:r>
+            <a:endParaRPr lang="en-US" sz="2000" i="1"/>
+          </a:p>
+        </p:txBody>
+      </p:sp>
+    </p:spTree>
+  </p:cSld>
+  <p:clrMapOvr>
+    <a:masterClrMapping/>
+  </p:clrMapOvr>
+  <p:transition spd="slow">
+    <p:wipe/>
+  </p:transition>
+</p:sld>
+</file>
+
+<file path=ppt/slides/slide23.xml><?xml version="1.0" encoding="utf-8"?>
+<p:sld xmlns:a="http://schemas.openxmlformats.org/drawingml/2006/main" xmlns:r="http://schemas.openxmlformats.org/officeDocument/2006/relationships" xmlns:p="http://schemas.openxmlformats.org/presentationml/2006/main">
+  <p:cSld>
+    <p:spTree>
+      <p:nvGrpSpPr>
+        <p:cNvPr id="1" name=""/>
+        <p:cNvGrpSpPr/>
+        <p:nvPr/>
+      </p:nvGrpSpPr>
+      <p:grpSpPr/>
+      <p:sp>
+        <p:nvSpPr>
+          <p:cNvPr id="15" name="任意多边形 14"/>
+          <p:cNvSpPr/>
+          <p:nvPr/>
+        </p:nvSpPr>
+        <p:spPr>
+          <a:xfrm>
+            <a:off x="0" y="274638"/>
+            <a:ext cx="890588" cy="639763"/>
+          </a:xfrm>
+          <a:custGeom>
+            <a:avLst/>
+            <a:gdLst>
+              <a:gd name="connsiteX0" fmla="*/ 0 w 1029743"/>
+              <a:gd name="connsiteY0" fmla="*/ 0 h 739718"/>
+              <a:gd name="connsiteX1" fmla="*/ 659884 w 1029743"/>
+              <a:gd name="connsiteY1" fmla="*/ 0 h 739718"/>
+              <a:gd name="connsiteX2" fmla="*/ 1029743 w 1029743"/>
+              <a:gd name="connsiteY2" fmla="*/ 369859 h 739718"/>
+              <a:gd name="connsiteX3" fmla="*/ 659884 w 1029743"/>
+              <a:gd name="connsiteY3" fmla="*/ 739718 h 739718"/>
+              <a:gd name="connsiteX4" fmla="*/ 0 w 1029743"/>
+              <a:gd name="connsiteY4" fmla="*/ 739718 h 739718"/>
+            </a:gdLst>
+            <a:ahLst/>
+            <a:cxnLst>
+              <a:cxn ang="0">
+                <a:pos x="connsiteX0" y="connsiteY0"/>
+              </a:cxn>
+              <a:cxn ang="0">
+                <a:pos x="connsiteX1" y="connsiteY1"/>
+              </a:cxn>
+              <a:cxn ang="0">
+                <a:pos x="connsiteX2" y="connsiteY2"/>
+              </a:cxn>
+              <a:cxn ang="0">
+                <a:pos x="connsiteX3" y="connsiteY3"/>
+              </a:cxn>
+              <a:cxn ang="0">
+                <a:pos x="connsiteX4" y="connsiteY4"/>
+              </a:cxn>
+            </a:cxnLst>
+            <a:rect l="l" t="t" r="r" b="b"/>
+            <a:pathLst>
+              <a:path w="1029743" h="739718">
+                <a:moveTo>
+                  <a:pt x="0" y="0"/>
+                </a:moveTo>
+                <a:lnTo>
+                  <a:pt x="659884" y="0"/>
+                </a:lnTo>
+                <a:cubicBezTo>
+                  <a:pt x="864151" y="0"/>
+                  <a:pt x="1029743" y="165592"/>
+                  <a:pt x="1029743" y="369859"/>
+                </a:cubicBezTo>
+                <a:cubicBezTo>
+                  <a:pt x="1029743" y="574126"/>
+                  <a:pt x="864151" y="739718"/>
+                  <a:pt x="659884" y="739718"/>
+                </a:cubicBezTo>
+                <a:lnTo>
+                  <a:pt x="0" y="739718"/>
+                </a:lnTo>
+                <a:close/>
+              </a:path>
+            </a:pathLst>
+          </a:custGeom>
+          <a:solidFill>
+            <a:srgbClr val="05B780"/>
+          </a:solidFill>
+          <a:ln>
+            <a:noFill/>
+          </a:ln>
+        </p:spPr>
+        <p:style>
+          <a:lnRef idx="2">
+            <a:schemeClr val="accent1">
+              <a:shade val="50000"/>
+            </a:schemeClr>
+          </a:lnRef>
+          <a:fillRef idx="1">
+            <a:schemeClr val="accent1"/>
+          </a:fillRef>
+          <a:effectRef idx="0">
+            <a:schemeClr val="accent1"/>
+          </a:effectRef>
+          <a:fontRef idx="minor">
+            <a:schemeClr val="lt1"/>
+          </a:fontRef>
+        </p:style>
+        <p:txBody>
+          <a:bodyPr anchor="ctr"/>
+          <a:lstStyle/>
+          <a:p>
+            <a:pPr marL="0" marR="0" lvl="0" indent="0" algn="ctr" defTabSz="914400" rtl="0" eaLnBrk="1" fontAlgn="auto" latinLnBrk="0" hangingPunct="1">
+              <a:lnSpc>
+                <a:spcPct val="100000"/>
+              </a:lnSpc>
+              <a:spcBef>
+                <a:spcPts val="0"/>
+              </a:spcBef>
+              <a:spcAft>
+                <a:spcPts val="0"/>
+              </a:spcAft>
+              <a:buClrTx/>
+              <a:buSzTx/>
+              <a:buFontTx/>
+              <a:buNone/>
+              <a:defRPr/>
+            </a:pPr>
+            <a:endParaRPr kumimoji="0" lang="zh-CN" altLang="en-US" sz="1800" b="0" i="0" u="none" strike="noStrike" kern="1200" cap="none" spc="0" normalizeH="0" baseline="0" noProof="0">
+              <a:ln>
+                <a:noFill/>
+              </a:ln>
+              <a:solidFill>
+                <a:schemeClr val="bg1"/>
+              </a:solidFill>
+              <a:effectLst/>
+              <a:uLnTx/>
+              <a:uFillTx/>
+              <a:latin typeface="+mn-lt"/>
+              <a:ea typeface="+mn-ea"/>
+              <a:cs typeface="+mn-cs"/>
+            </a:endParaRPr>
+          </a:p>
+        </p:txBody>
+      </p:sp>
+      <p:sp>
+        <p:nvSpPr>
+          <p:cNvPr id="7170" name="文本框 156"/>
+          <p:cNvSpPr txBox="1"/>
+          <p:nvPr/>
+        </p:nvSpPr>
+        <p:spPr>
+          <a:xfrm>
+            <a:off x="0" y="350838"/>
+            <a:ext cx="814388" cy="521970"/>
+          </a:xfrm>
+          <a:prstGeom prst="rect">
+            <a:avLst/>
+          </a:prstGeom>
+          <a:noFill/>
+          <a:ln w="9525">
+            <a:noFill/>
+          </a:ln>
+        </p:spPr>
+        <p:txBody>
+          <a:bodyPr anchor="t" anchorCtr="0">
+            <a:spAutoFit/>
+          </a:bodyPr>
+          <a:p>
+            <a:pPr>
+              <a:buFont typeface="Arial" panose="020B0604020202020204" pitchFamily="34" charset="0"/>
+            </a:pPr>
+            <a:r>
+              <a:rPr lang="en-US" altLang="zh-CN" sz="2800" b="1" dirty="0">
+                <a:solidFill>
+                  <a:schemeClr val="bg1"/>
+                </a:solidFill>
+                <a:latin typeface="Microsoft YaHei" panose="020B0503020204020204" pitchFamily="34" charset="-122"/>
+                <a:ea typeface="Microsoft YaHei" panose="020B0503020204020204" pitchFamily="34" charset="-122"/>
+              </a:rPr>
+              <a:t>4.3</a:t>
+            </a:r>
+            <a:endParaRPr lang="en-US" altLang="zh-CN" sz="2800" b="1" dirty="0">
+              <a:solidFill>
+                <a:schemeClr val="bg1"/>
+              </a:solidFill>
+              <a:latin typeface="Microsoft YaHei" panose="020B0503020204020204" pitchFamily="34" charset="-122"/>
+              <a:ea typeface="Microsoft YaHei" panose="020B0503020204020204" pitchFamily="34" charset="-122"/>
+            </a:endParaRPr>
+          </a:p>
+        </p:txBody>
+      </p:sp>
+      <p:sp>
+        <p:nvSpPr>
+          <p:cNvPr id="16" name="Rectangle 6"/>
+          <p:cNvSpPr>
+            <a:spLocks noChangeArrowheads="1"/>
+          </p:cNvSpPr>
+          <p:nvPr/>
+        </p:nvSpPr>
+        <p:spPr bwMode="black">
+          <a:xfrm>
+            <a:off x="1021080" y="334010"/>
+            <a:ext cx="8777605" cy="521970"/>
+          </a:xfrm>
+          <a:prstGeom prst="rect">
+            <a:avLst/>
+          </a:prstGeom>
+          <a:noFill/>
+          <a:ln>
+            <a:noFill/>
+          </a:ln>
+          <a:effectLst/>
+          <a:extLst>
+            <a:ext uri="{909E8E84-426E-40DD-AFC4-6F175D3DCCD1}">
+              <a14:hiddenFill xmlns:a14="http://schemas.microsoft.com/office/drawing/2010/main">
+                <a:solidFill>
+                  <a:schemeClr val="accent1"/>
+                </a:solidFill>
+              </a14:hiddenFill>
+            </a:ext>
+            <a:ext uri="{91240B29-F687-4F45-9708-019B960494DF}">
+              <a14:hiddenLine xmlns:a14="http://schemas.microsoft.com/office/drawing/2010/main" w="9525">
+                <a:solidFill>
+                  <a:schemeClr val="tx1"/>
+                </a:solidFill>
+                <a:miter lim="800000"/>
+                <a:headEnd/>
+                <a:tailEnd/>
+              </a14:hiddenLine>
+            </a:ext>
+            <a:ext uri="{AF507438-7753-43E0-B8FC-AC1667EBCBE1}">
+              <a14:hiddenEffects xmlns:a14="http://schemas.microsoft.com/office/drawing/2010/main">
+                <a:effectLst>
+                  <a:outerShdw dist="35921" dir="2700000" algn="ctr" rotWithShape="0">
+                    <a:schemeClr val="bg2"/>
+                  </a:outerShdw>
+                </a:effectLst>
+              </a14:hiddenEffects>
+            </a:ext>
+          </a:extLst>
+        </p:spPr>
+        <p:txBody>
+          <a:bodyPr wrap="square">
+            <a:spAutoFit/>
+          </a:bodyPr>
+          <a:lstStyle/>
+          <a:p>
+            <a:pPr marL="0" marR="0" lvl="0" indent="0" algn="l" defTabSz="914400" rtl="0" eaLnBrk="0" fontAlgn="auto" latinLnBrk="0" hangingPunct="0">
+              <a:lnSpc>
+                <a:spcPct val="100000"/>
+              </a:lnSpc>
+              <a:spcBef>
+                <a:spcPts val="0"/>
+              </a:spcBef>
+              <a:spcAft>
+                <a:spcPts val="0"/>
+              </a:spcAft>
+              <a:buClrTx/>
+              <a:buSzTx/>
+              <a:buFontTx/>
+              <a:buNone/>
+              <a:defRPr/>
+            </a:pPr>
+            <a:r>
+              <a:rPr kumimoji="0" lang="en-US" altLang="zh-CN" sz="2800" b="1" i="0" u="none" strike="noStrike" kern="1200" cap="none" spc="0" normalizeH="0" baseline="0" noProof="0" dirty="0">
+                <a:ln>
+                  <a:noFill/>
+                </a:ln>
+                <a:solidFill>
+                  <a:schemeClr val="tx1">
+                    <a:lumMod val="85000"/>
+                    <a:lumOff val="15000"/>
+                  </a:schemeClr>
+                </a:solidFill>
+                <a:effectLst/>
+                <a:uLnTx/>
+                <a:uFillTx/>
+                <a:latin typeface="Microsoft YaHei" panose="020B0503020204020204" pitchFamily="34" charset="-122"/>
+                <a:ea typeface="Microsoft YaHei" panose="020B0503020204020204" pitchFamily="34" charset="-122"/>
+                <a:cs typeface="+mn-cs"/>
+                <a:sym typeface="+mn-ea"/>
+              </a:rPr>
               <a:t>Homework</a:t>
             </a:r>
             <a:endParaRPr kumimoji="0" lang="en-US" altLang="zh-CN" sz="2800" b="1" i="0" u="none" strike="noStrike" kern="1200" cap="none" spc="0" normalizeH="0" baseline="0" noProof="0" dirty="0">
@@ -11112,7 +11505,56 @@
         <p:txBody>
           <a:bodyPr/>
           <a:p>
-            <a:endParaRPr lang="en-US" sz="2000" i="1"/>
+            <a:r>
+              <a:rPr lang="en-US" sz="2000"/>
+              <a:t>Implement the Fibonacci function using a stack data structure</a:t>
+            </a:r>
+            <a:endParaRPr lang="en-US" sz="2000"/>
+          </a:p>
+          <a:p>
+            <a:r>
+              <a:rPr lang="en-US" sz="2000"/>
+              <a:t>The function takes as input a single integer n</a:t>
+            </a:r>
+            <a:endParaRPr lang="en-US" sz="2000"/>
+          </a:p>
+          <a:p>
+            <a:r>
+              <a:rPr lang="en-US" sz="2000"/>
+              <a:t>The function returns as output a single integer, the nth number in the fibonacci sequence</a:t>
+            </a:r>
+            <a:endParaRPr lang="en-US" sz="2000"/>
+          </a:p>
+          <a:p>
+            <a:pPr lvl="1"/>
+            <a:r>
+              <a:rPr lang="en-US" sz="1710"/>
+              <a:t>Fibonacci sequence: 0, 1, 1, 2, 3, 5, 8...</a:t>
+            </a:r>
+            <a:endParaRPr lang="en-US" sz="1710"/>
+          </a:p>
+          <a:p>
+            <a:r>
+              <a:rPr lang="en-US" sz="2000"/>
+              <a:t>Example:</a:t>
+            </a:r>
+            <a:endParaRPr lang="en-US" sz="2000"/>
+          </a:p>
+          <a:p>
+            <a:pPr lvl="1"/>
+            <a:r>
+              <a:rPr lang="en-US" sz="1710"/>
+              <a:t>Input n=5, Output = 3</a:t>
+            </a:r>
+            <a:endParaRPr lang="en-US" sz="1710"/>
+          </a:p>
+          <a:p>
+            <a:pPr lvl="1"/>
+            <a:r>
+              <a:rPr lang="en-US" sz="1710"/>
+              <a:t>Input n=7, Output = 8</a:t>
+            </a:r>
+            <a:endParaRPr lang="en-US" sz="1710"/>
           </a:p>
         </p:txBody>
       </p:sp>
@@ -11127,7 +11569,7 @@
 </p:sld>
 </file>
 
-<file path=ppt/slides/slide23.xml><?xml version="1.0" encoding="utf-8"?>
+<file path=ppt/slides/slide24.xml><?xml version="1.0" encoding="utf-8"?>
 <p:sld xmlns:a="http://schemas.openxmlformats.org/drawingml/2006/main" xmlns:r="http://schemas.openxmlformats.org/officeDocument/2006/relationships" xmlns:p="http://schemas.openxmlformats.org/presentationml/2006/main">
   <p:cSld>
     <p:spTree>
@@ -15025,7 +15467,7 @@
                 <a:latin typeface="Microsoft YaHei" panose="020B0503020204020204" pitchFamily="34" charset="-122"/>
                 <a:ea typeface="Microsoft YaHei" panose="020B0503020204020204" pitchFamily="34" charset="-122"/>
               </a:rPr>
-              <a:t>2.1</a:t>
+              <a:t>2.2</a:t>
             </a:r>
             <a:endParaRPr lang="en-US" altLang="zh-CN" sz="2800" b="1" dirty="0">
               <a:solidFill>

--- a/week3/week3_slides.pptx
+++ b/week3/week3_slides.pptx
@@ -6,10 +6,10 @@
     <p:sldMasterId id="2147483651" r:id="rId3"/>
   </p:sldMasterIdLst>
   <p:notesMasterIdLst>
-    <p:notesMasterId r:id="rId28"/>
+    <p:notesMasterId r:id="rId29"/>
   </p:notesMasterIdLst>
   <p:handoutMasterIdLst>
-    <p:handoutMasterId r:id="rId29"/>
+    <p:handoutMasterId r:id="rId30"/>
   </p:handoutMasterIdLst>
   <p:sldIdLst>
     <p:sldId id="256" r:id="rId4"/>
@@ -34,8 +34,9 @@
     <p:sldId id="378" r:id="rId23"/>
     <p:sldId id="466" r:id="rId24"/>
     <p:sldId id="381" r:id="rId25"/>
-    <p:sldId id="457" r:id="rId26"/>
-    <p:sldId id="289" r:id="rId27"/>
+    <p:sldId id="470" r:id="rId26"/>
+    <p:sldId id="457" r:id="rId27"/>
+    <p:sldId id="289" r:id="rId28"/>
   </p:sldIdLst>
   <p:sldSz cx="12192000" cy="6858000"/>
   <p:notesSz cx="6858000" cy="9144000"/>
@@ -6414,8 +6415,9 @@
                 </a:solidFill>
                 <a:latin typeface="Microsoft YaHei" panose="020B0503020204020204" pitchFamily="34" charset="-122"/>
                 <a:ea typeface="Microsoft YaHei" panose="020B0503020204020204" pitchFamily="34" charset="-122"/>
+                <a:sym typeface="+mn-ea"/>
               </a:rPr>
-              <a:t>Week1 Recap</a:t>
+              <a:t>Data Structure</a:t>
             </a:r>
             <a:endParaRPr lang="en-US" altLang="zh-CN" sz="3200" b="1" dirty="0">
               <a:solidFill>
@@ -11465,6 +11467,373 @@
                 <a:cs typeface="+mn-cs"/>
                 <a:sym typeface="+mn-ea"/>
               </a:rPr>
+              <a:t>First Unique Character in String</a:t>
+            </a:r>
+            <a:endParaRPr kumimoji="0" lang="en-US" altLang="zh-CN" sz="2800" b="1" i="0" u="none" strike="noStrike" kern="1200" cap="none" spc="0" normalizeH="0" baseline="0" noProof="0" dirty="0">
+              <a:ln>
+                <a:noFill/>
+              </a:ln>
+              <a:solidFill>
+                <a:schemeClr val="tx1">
+                  <a:lumMod val="85000"/>
+                  <a:lumOff val="15000"/>
+                </a:schemeClr>
+              </a:solidFill>
+              <a:effectLst/>
+              <a:uLnTx/>
+              <a:uFillTx/>
+              <a:latin typeface="Microsoft YaHei" panose="020B0503020204020204" pitchFamily="34" charset="-122"/>
+              <a:ea typeface="Microsoft YaHei" panose="020B0503020204020204" pitchFamily="34" charset="-122"/>
+              <a:cs typeface="+mn-cs"/>
+              <a:sym typeface="+mn-ea"/>
+            </a:endParaRPr>
+          </a:p>
+        </p:txBody>
+      </p:sp>
+      <p:sp>
+        <p:nvSpPr>
+          <p:cNvPr id="3" name="Content Placeholder 2"/>
+          <p:cNvSpPr/>
+          <p:nvPr>
+            <p:ph idx="1"/>
+          </p:nvPr>
+        </p:nvSpPr>
+        <p:spPr>
+          <a:xfrm>
+            <a:off x="890905" y="1183640"/>
+            <a:ext cx="10515600" cy="4351338"/>
+          </a:xfrm>
+        </p:spPr>
+        <p:txBody>
+          <a:bodyPr/>
+          <a:p>
+            <a:r>
+              <a:rPr lang="en-US"/>
+              <a:t>Given a string s, find the first non-repeating character in it and return its index. If it does not exist, return -1.</a:t>
+            </a:r>
+            <a:endParaRPr lang="en-US"/>
+          </a:p>
+          <a:p>
+            <a:r>
+              <a:rPr lang="en-US"/>
+              <a:t>Example:</a:t>
+            </a:r>
+            <a:endParaRPr lang="en-US"/>
+          </a:p>
+          <a:p>
+            <a:pPr lvl="1"/>
+            <a:r>
+              <a:rPr lang="en-US"/>
+              <a:t>Input: s = "leetcode", Output: 0</a:t>
+            </a:r>
+            <a:endParaRPr lang="en-US"/>
+          </a:p>
+          <a:p>
+            <a:pPr lvl="1"/>
+            <a:r>
+              <a:rPr lang="en-US"/>
+              <a:t>Input: s = "loveleetcode", Output: 2</a:t>
+            </a:r>
+            <a:endParaRPr lang="en-US"/>
+          </a:p>
+          <a:p>
+            <a:pPr lvl="1"/>
+            <a:r>
+              <a:rPr lang="en-US"/>
+              <a:t>Input: s = "aabb", Output: -1</a:t>
+            </a:r>
+            <a:endParaRPr lang="en-US"/>
+          </a:p>
+        </p:txBody>
+      </p:sp>
+    </p:spTree>
+  </p:cSld>
+  <p:clrMapOvr>
+    <a:masterClrMapping/>
+  </p:clrMapOvr>
+  <p:transition spd="slow">
+    <p:wipe/>
+  </p:transition>
+</p:sld>
+</file>
+
+<file path=ppt/slides/slide24.xml><?xml version="1.0" encoding="utf-8"?>
+<p:sld xmlns:a="http://schemas.openxmlformats.org/drawingml/2006/main" xmlns:r="http://schemas.openxmlformats.org/officeDocument/2006/relationships" xmlns:p="http://schemas.openxmlformats.org/presentationml/2006/main">
+  <p:cSld>
+    <p:spTree>
+      <p:nvGrpSpPr>
+        <p:cNvPr id="1" name=""/>
+        <p:cNvGrpSpPr/>
+        <p:nvPr/>
+      </p:nvGrpSpPr>
+      <p:grpSpPr/>
+      <p:sp>
+        <p:nvSpPr>
+          <p:cNvPr id="15" name="任意多边形 14"/>
+          <p:cNvSpPr/>
+          <p:nvPr/>
+        </p:nvSpPr>
+        <p:spPr>
+          <a:xfrm>
+            <a:off x="0" y="274638"/>
+            <a:ext cx="890588" cy="639763"/>
+          </a:xfrm>
+          <a:custGeom>
+            <a:avLst/>
+            <a:gdLst>
+              <a:gd name="connsiteX0" fmla="*/ 0 w 1029743"/>
+              <a:gd name="connsiteY0" fmla="*/ 0 h 739718"/>
+              <a:gd name="connsiteX1" fmla="*/ 659884 w 1029743"/>
+              <a:gd name="connsiteY1" fmla="*/ 0 h 739718"/>
+              <a:gd name="connsiteX2" fmla="*/ 1029743 w 1029743"/>
+              <a:gd name="connsiteY2" fmla="*/ 369859 h 739718"/>
+              <a:gd name="connsiteX3" fmla="*/ 659884 w 1029743"/>
+              <a:gd name="connsiteY3" fmla="*/ 739718 h 739718"/>
+              <a:gd name="connsiteX4" fmla="*/ 0 w 1029743"/>
+              <a:gd name="connsiteY4" fmla="*/ 739718 h 739718"/>
+            </a:gdLst>
+            <a:ahLst/>
+            <a:cxnLst>
+              <a:cxn ang="0">
+                <a:pos x="connsiteX0" y="connsiteY0"/>
+              </a:cxn>
+              <a:cxn ang="0">
+                <a:pos x="connsiteX1" y="connsiteY1"/>
+              </a:cxn>
+              <a:cxn ang="0">
+                <a:pos x="connsiteX2" y="connsiteY2"/>
+              </a:cxn>
+              <a:cxn ang="0">
+                <a:pos x="connsiteX3" y="connsiteY3"/>
+              </a:cxn>
+              <a:cxn ang="0">
+                <a:pos x="connsiteX4" y="connsiteY4"/>
+              </a:cxn>
+            </a:cxnLst>
+            <a:rect l="l" t="t" r="r" b="b"/>
+            <a:pathLst>
+              <a:path w="1029743" h="739718">
+                <a:moveTo>
+                  <a:pt x="0" y="0"/>
+                </a:moveTo>
+                <a:lnTo>
+                  <a:pt x="659884" y="0"/>
+                </a:lnTo>
+                <a:cubicBezTo>
+                  <a:pt x="864151" y="0"/>
+                  <a:pt x="1029743" y="165592"/>
+                  <a:pt x="1029743" y="369859"/>
+                </a:cubicBezTo>
+                <a:cubicBezTo>
+                  <a:pt x="1029743" y="574126"/>
+                  <a:pt x="864151" y="739718"/>
+                  <a:pt x="659884" y="739718"/>
+                </a:cubicBezTo>
+                <a:lnTo>
+                  <a:pt x="0" y="739718"/>
+                </a:lnTo>
+                <a:close/>
+              </a:path>
+            </a:pathLst>
+          </a:custGeom>
+          <a:solidFill>
+            <a:srgbClr val="05B780"/>
+          </a:solidFill>
+          <a:ln>
+            <a:noFill/>
+          </a:ln>
+        </p:spPr>
+        <p:style>
+          <a:lnRef idx="2">
+            <a:schemeClr val="accent1">
+              <a:shade val="50000"/>
+            </a:schemeClr>
+          </a:lnRef>
+          <a:fillRef idx="1">
+            <a:schemeClr val="accent1"/>
+          </a:fillRef>
+          <a:effectRef idx="0">
+            <a:schemeClr val="accent1"/>
+          </a:effectRef>
+          <a:fontRef idx="minor">
+            <a:schemeClr val="lt1"/>
+          </a:fontRef>
+        </p:style>
+        <p:txBody>
+          <a:bodyPr anchor="ctr"/>
+          <a:lstStyle/>
+          <a:p>
+            <a:pPr marL="0" marR="0" lvl="0" indent="0" algn="ctr" defTabSz="914400" rtl="0" eaLnBrk="1" fontAlgn="auto" latinLnBrk="0" hangingPunct="1">
+              <a:lnSpc>
+                <a:spcPct val="100000"/>
+              </a:lnSpc>
+              <a:spcBef>
+                <a:spcPts val="0"/>
+              </a:spcBef>
+              <a:spcAft>
+                <a:spcPts val="0"/>
+              </a:spcAft>
+              <a:buClrTx/>
+              <a:buSzTx/>
+              <a:buFontTx/>
+              <a:buNone/>
+              <a:defRPr/>
+            </a:pPr>
+            <a:endParaRPr kumimoji="0" lang="zh-CN" altLang="en-US" sz="1800" b="0" i="0" u="none" strike="noStrike" kern="1200" cap="none" spc="0" normalizeH="0" baseline="0" noProof="0">
+              <a:ln>
+                <a:noFill/>
+              </a:ln>
+              <a:solidFill>
+                <a:schemeClr val="bg1"/>
+              </a:solidFill>
+              <a:effectLst/>
+              <a:uLnTx/>
+              <a:uFillTx/>
+              <a:latin typeface="+mn-lt"/>
+              <a:ea typeface="+mn-ea"/>
+              <a:cs typeface="+mn-cs"/>
+            </a:endParaRPr>
+          </a:p>
+        </p:txBody>
+      </p:sp>
+      <p:sp>
+        <p:nvSpPr>
+          <p:cNvPr id="7170" name="文本框 156"/>
+          <p:cNvSpPr txBox="1"/>
+          <p:nvPr/>
+        </p:nvSpPr>
+        <p:spPr>
+          <a:xfrm>
+            <a:off x="0" y="350838"/>
+            <a:ext cx="814388" cy="521970"/>
+          </a:xfrm>
+          <a:prstGeom prst="rect">
+            <a:avLst/>
+          </a:prstGeom>
+          <a:noFill/>
+          <a:ln w="9525">
+            <a:noFill/>
+          </a:ln>
+        </p:spPr>
+        <p:txBody>
+          <a:bodyPr anchor="t" anchorCtr="0">
+            <a:spAutoFit/>
+          </a:bodyPr>
+          <a:p>
+            <a:pPr>
+              <a:buFont typeface="Arial" panose="020B0604020202020204" pitchFamily="34" charset="0"/>
+            </a:pPr>
+            <a:r>
+              <a:rPr lang="en-US" altLang="zh-CN" sz="2800" b="1" dirty="0">
+                <a:solidFill>
+                  <a:schemeClr val="bg1"/>
+                </a:solidFill>
+                <a:latin typeface="Microsoft YaHei" panose="020B0503020204020204" pitchFamily="34" charset="-122"/>
+                <a:ea typeface="Microsoft YaHei" panose="020B0503020204020204" pitchFamily="34" charset="-122"/>
+              </a:rPr>
+              <a:t>4.4</a:t>
+            </a:r>
+            <a:endParaRPr lang="en-US" altLang="zh-CN" sz="2800" b="1" dirty="0">
+              <a:solidFill>
+                <a:schemeClr val="bg1"/>
+              </a:solidFill>
+              <a:latin typeface="Microsoft YaHei" panose="020B0503020204020204" pitchFamily="34" charset="-122"/>
+              <a:ea typeface="Microsoft YaHei" panose="020B0503020204020204" pitchFamily="34" charset="-122"/>
+            </a:endParaRPr>
+          </a:p>
+        </p:txBody>
+      </p:sp>
+      <p:sp>
+        <p:nvSpPr>
+          <p:cNvPr id="16" name="Rectangle 6"/>
+          <p:cNvSpPr>
+            <a:spLocks noChangeArrowheads="1"/>
+          </p:cNvSpPr>
+          <p:nvPr/>
+        </p:nvSpPr>
+        <p:spPr bwMode="black">
+          <a:xfrm>
+            <a:off x="1021080" y="334010"/>
+            <a:ext cx="8777605" cy="521970"/>
+          </a:xfrm>
+          <a:prstGeom prst="rect">
+            <a:avLst/>
+          </a:prstGeom>
+          <a:noFill/>
+          <a:ln>
+            <a:noFill/>
+          </a:ln>
+          <a:effectLst/>
+          <a:extLst>
+            <a:ext uri="{909E8E84-426E-40DD-AFC4-6F175D3DCCD1}">
+              <a14:hiddenFill xmlns:a14="http://schemas.microsoft.com/office/drawing/2010/main">
+                <a:solidFill>
+                  <a:schemeClr val="accent1"/>
+                </a:solidFill>
+              </a14:hiddenFill>
+            </a:ext>
+            <a:ext uri="{91240B29-F687-4F45-9708-019B960494DF}">
+              <a14:hiddenLine xmlns:a14="http://schemas.microsoft.com/office/drawing/2010/main" w="9525">
+                <a:solidFill>
+                  <a:schemeClr val="tx1"/>
+                </a:solidFill>
+                <a:miter lim="800000"/>
+                <a:headEnd/>
+                <a:tailEnd/>
+              </a14:hiddenLine>
+            </a:ext>
+            <a:ext uri="{AF507438-7753-43E0-B8FC-AC1667EBCBE1}">
+              <a14:hiddenEffects xmlns:a14="http://schemas.microsoft.com/office/drawing/2010/main">
+                <a:effectLst>
+                  <a:outerShdw dist="35921" dir="2700000" algn="ctr" rotWithShape="0">
+                    <a:schemeClr val="bg2"/>
+                  </a:outerShdw>
+                </a:effectLst>
+              </a14:hiddenEffects>
+            </a:ext>
+          </a:extLst>
+        </p:spPr>
+        <p:txBody>
+          <a:bodyPr wrap="square">
+            <a:spAutoFit/>
+          </a:bodyPr>
+          <a:lstStyle/>
+          <a:p>
+            <a:pPr marL="0" marR="0" lvl="0" indent="0" algn="l" defTabSz="914400" rtl="0" eaLnBrk="0" fontAlgn="auto" latinLnBrk="0" hangingPunct="0">
+              <a:lnSpc>
+                <a:spcPct val="100000"/>
+              </a:lnSpc>
+              <a:spcBef>
+                <a:spcPts val="0"/>
+              </a:spcBef>
+              <a:spcAft>
+                <a:spcPts val="0"/>
+              </a:spcAft>
+              <a:buClrTx/>
+              <a:buSzTx/>
+              <a:buFontTx/>
+              <a:buNone/>
+              <a:defRPr/>
+            </a:pPr>
+            <a:r>
+              <a:rPr kumimoji="0" lang="en-US" altLang="zh-CN" sz="2800" b="1" i="0" u="none" strike="noStrike" kern="1200" cap="none" spc="0" normalizeH="0" baseline="0" noProof="0" dirty="0">
+                <a:ln>
+                  <a:noFill/>
+                </a:ln>
+                <a:solidFill>
+                  <a:schemeClr val="tx1">
+                    <a:lumMod val="85000"/>
+                    <a:lumOff val="15000"/>
+                  </a:schemeClr>
+                </a:solidFill>
+                <a:effectLst/>
+                <a:uLnTx/>
+                <a:uFillTx/>
+                <a:latin typeface="Microsoft YaHei" panose="020B0503020204020204" pitchFamily="34" charset="-122"/>
+                <a:ea typeface="Microsoft YaHei" panose="020B0503020204020204" pitchFamily="34" charset="-122"/>
+                <a:cs typeface="+mn-cs"/>
+                <a:sym typeface="+mn-ea"/>
+              </a:rPr>
               <a:t>Homework</a:t>
             </a:r>
             <a:endParaRPr kumimoji="0" lang="en-US" altLang="zh-CN" sz="2800" b="1" i="0" u="none" strike="noStrike" kern="1200" cap="none" spc="0" normalizeH="0" baseline="0" noProof="0" dirty="0">
@@ -11569,7 +11938,7 @@
 </p:sld>
 </file>
 
-<file path=ppt/slides/slide24.xml><?xml version="1.0" encoding="utf-8"?>
+<file path=ppt/slides/slide25.xml><?xml version="1.0" encoding="utf-8"?>
 <p:sld xmlns:a="http://schemas.openxmlformats.org/drawingml/2006/main" xmlns:r="http://schemas.openxmlformats.org/officeDocument/2006/relationships" xmlns:p="http://schemas.openxmlformats.org/presentationml/2006/main">
   <p:cSld>
     <p:spTree>
@@ -12963,7 +13332,7 @@
                 <a:latin typeface="Microsoft YaHei" panose="020B0503020204020204" pitchFamily="34" charset="-122"/>
                 <a:ea typeface="Microsoft YaHei" panose="020B0503020204020204" pitchFamily="34" charset="-122"/>
               </a:rPr>
-              <a:t>Week1 Recap</a:t>
+              <a:t>Week2 Recap</a:t>
             </a:r>
             <a:endParaRPr lang="en-US" altLang="zh-CN" sz="3200" b="1" dirty="0">
               <a:solidFill>
@@ -13791,7 +14160,7 @@
                 <a:latin typeface="Microsoft YaHei" panose="020B0503020204020204" pitchFamily="34" charset="-122"/>
                 <a:ea typeface="Microsoft YaHei" panose="020B0503020204020204" pitchFamily="34" charset="-122"/>
               </a:rPr>
-              <a:t>Week1 Recap</a:t>
+              <a:t>Week2 Recap</a:t>
             </a:r>
             <a:endParaRPr lang="en-US" altLang="zh-CN" sz="3200" b="1" dirty="0">
               <a:solidFill>
@@ -14673,7 +15042,7 @@
                 <a:latin typeface="Microsoft YaHei" panose="020B0503020204020204" pitchFamily="34" charset="-122"/>
                 <a:ea typeface="Microsoft YaHei" panose="020B0503020204020204" pitchFamily="34" charset="-122"/>
               </a:rPr>
-              <a:t>Week1 Recap</a:t>
+              <a:t>Data Structure</a:t>
             </a:r>
             <a:endParaRPr lang="en-US" altLang="zh-CN" sz="3200" b="1" dirty="0">
               <a:solidFill>

--- a/week3/week3_slides.pptx
+++ b/week3/week3_slides.pptx
@@ -6,10 +6,10 @@
     <p:sldMasterId id="2147483651" r:id="rId3"/>
   </p:sldMasterIdLst>
   <p:notesMasterIdLst>
-    <p:notesMasterId r:id="rId29"/>
+    <p:notesMasterId r:id="rId30"/>
   </p:notesMasterIdLst>
   <p:handoutMasterIdLst>
-    <p:handoutMasterId r:id="rId30"/>
+    <p:handoutMasterId r:id="rId31"/>
   </p:handoutMasterIdLst>
   <p:sldIdLst>
     <p:sldId id="256" r:id="rId4"/>
@@ -31,12 +31,13 @@
     <p:sldId id="454" r:id="rId20"/>
     <p:sldId id="455" r:id="rId21"/>
     <p:sldId id="456" r:id="rId22"/>
-    <p:sldId id="378" r:id="rId23"/>
-    <p:sldId id="466" r:id="rId24"/>
-    <p:sldId id="381" r:id="rId25"/>
-    <p:sldId id="470" r:id="rId26"/>
-    <p:sldId id="457" r:id="rId27"/>
-    <p:sldId id="289" r:id="rId28"/>
+    <p:sldId id="473" r:id="rId23"/>
+    <p:sldId id="378" r:id="rId24"/>
+    <p:sldId id="466" r:id="rId25"/>
+    <p:sldId id="381" r:id="rId26"/>
+    <p:sldId id="470" r:id="rId27"/>
+    <p:sldId id="457" r:id="rId28"/>
+    <p:sldId id="289" r:id="rId29"/>
   </p:sldIdLst>
   <p:sldSz cx="12192000" cy="6858000"/>
   <p:notesSz cx="6858000" cy="9144000"/>
@@ -9978,6 +9979,369 @@
       <p:grpSpPr/>
       <p:sp>
         <p:nvSpPr>
+          <p:cNvPr id="15" name="任意多边形 14"/>
+          <p:cNvSpPr/>
+          <p:nvPr/>
+        </p:nvSpPr>
+        <p:spPr>
+          <a:xfrm>
+            <a:off x="0" y="274638"/>
+            <a:ext cx="890588" cy="639763"/>
+          </a:xfrm>
+          <a:custGeom>
+            <a:avLst/>
+            <a:gdLst>
+              <a:gd name="connsiteX0" fmla="*/ 0 w 1029743"/>
+              <a:gd name="connsiteY0" fmla="*/ 0 h 739718"/>
+              <a:gd name="connsiteX1" fmla="*/ 659884 w 1029743"/>
+              <a:gd name="connsiteY1" fmla="*/ 0 h 739718"/>
+              <a:gd name="connsiteX2" fmla="*/ 1029743 w 1029743"/>
+              <a:gd name="connsiteY2" fmla="*/ 369859 h 739718"/>
+              <a:gd name="connsiteX3" fmla="*/ 659884 w 1029743"/>
+              <a:gd name="connsiteY3" fmla="*/ 739718 h 739718"/>
+              <a:gd name="connsiteX4" fmla="*/ 0 w 1029743"/>
+              <a:gd name="connsiteY4" fmla="*/ 739718 h 739718"/>
+            </a:gdLst>
+            <a:ahLst/>
+            <a:cxnLst>
+              <a:cxn ang="0">
+                <a:pos x="connsiteX0" y="connsiteY0"/>
+              </a:cxn>
+              <a:cxn ang="0">
+                <a:pos x="connsiteX1" y="connsiteY1"/>
+              </a:cxn>
+              <a:cxn ang="0">
+                <a:pos x="connsiteX2" y="connsiteY2"/>
+              </a:cxn>
+              <a:cxn ang="0">
+                <a:pos x="connsiteX3" y="connsiteY3"/>
+              </a:cxn>
+              <a:cxn ang="0">
+                <a:pos x="connsiteX4" y="connsiteY4"/>
+              </a:cxn>
+            </a:cxnLst>
+            <a:rect l="l" t="t" r="r" b="b"/>
+            <a:pathLst>
+              <a:path w="1029743" h="739718">
+                <a:moveTo>
+                  <a:pt x="0" y="0"/>
+                </a:moveTo>
+                <a:lnTo>
+                  <a:pt x="659884" y="0"/>
+                </a:lnTo>
+                <a:cubicBezTo>
+                  <a:pt x="864151" y="0"/>
+                  <a:pt x="1029743" y="165592"/>
+                  <a:pt x="1029743" y="369859"/>
+                </a:cubicBezTo>
+                <a:cubicBezTo>
+                  <a:pt x="1029743" y="574126"/>
+                  <a:pt x="864151" y="739718"/>
+                  <a:pt x="659884" y="739718"/>
+                </a:cubicBezTo>
+                <a:lnTo>
+                  <a:pt x="0" y="739718"/>
+                </a:lnTo>
+                <a:close/>
+              </a:path>
+            </a:pathLst>
+          </a:custGeom>
+          <a:solidFill>
+            <a:srgbClr val="05B780"/>
+          </a:solidFill>
+          <a:ln>
+            <a:noFill/>
+          </a:ln>
+        </p:spPr>
+        <p:style>
+          <a:lnRef idx="2">
+            <a:schemeClr val="accent1">
+              <a:shade val="50000"/>
+            </a:schemeClr>
+          </a:lnRef>
+          <a:fillRef idx="1">
+            <a:schemeClr val="accent1"/>
+          </a:fillRef>
+          <a:effectRef idx="0">
+            <a:schemeClr val="accent1"/>
+          </a:effectRef>
+          <a:fontRef idx="minor">
+            <a:schemeClr val="lt1"/>
+          </a:fontRef>
+        </p:style>
+        <p:txBody>
+          <a:bodyPr anchor="ctr"/>
+          <a:lstStyle/>
+          <a:p>
+            <a:pPr marL="0" marR="0" lvl="0" indent="0" algn="ctr" defTabSz="914400" rtl="0" eaLnBrk="1" fontAlgn="auto" latinLnBrk="0" hangingPunct="1">
+              <a:lnSpc>
+                <a:spcPct val="100000"/>
+              </a:lnSpc>
+              <a:spcBef>
+                <a:spcPts val="0"/>
+              </a:spcBef>
+              <a:spcAft>
+                <a:spcPts val="0"/>
+              </a:spcAft>
+              <a:buClrTx/>
+              <a:buSzTx/>
+              <a:buFontTx/>
+              <a:buNone/>
+              <a:defRPr/>
+            </a:pPr>
+            <a:endParaRPr kumimoji="0" lang="zh-CN" altLang="en-US" sz="1800" b="0" i="0" u="none" strike="noStrike" kern="1200" cap="none" spc="0" normalizeH="0" baseline="0" noProof="0">
+              <a:ln>
+                <a:noFill/>
+              </a:ln>
+              <a:solidFill>
+                <a:schemeClr val="bg1"/>
+              </a:solidFill>
+              <a:effectLst/>
+              <a:uLnTx/>
+              <a:uFillTx/>
+              <a:latin typeface="+mn-lt"/>
+              <a:ea typeface="+mn-ea"/>
+              <a:cs typeface="+mn-cs"/>
+            </a:endParaRPr>
+          </a:p>
+        </p:txBody>
+      </p:sp>
+      <p:sp>
+        <p:nvSpPr>
+          <p:cNvPr id="7170" name="文本框 156"/>
+          <p:cNvSpPr txBox="1"/>
+          <p:nvPr/>
+        </p:nvSpPr>
+        <p:spPr>
+          <a:xfrm>
+            <a:off x="0" y="350838"/>
+            <a:ext cx="814388" cy="521970"/>
+          </a:xfrm>
+          <a:prstGeom prst="rect">
+            <a:avLst/>
+          </a:prstGeom>
+          <a:noFill/>
+          <a:ln w="9525">
+            <a:noFill/>
+          </a:ln>
+        </p:spPr>
+        <p:txBody>
+          <a:bodyPr anchor="t" anchorCtr="0">
+            <a:spAutoFit/>
+          </a:bodyPr>
+          <a:p>
+            <a:pPr>
+              <a:buFont typeface="Arial" panose="020B0604020202020204" pitchFamily="34" charset="0"/>
+            </a:pPr>
+            <a:r>
+              <a:rPr lang="en-US" altLang="zh-CN" sz="2800" b="1" dirty="0">
+                <a:solidFill>
+                  <a:schemeClr val="bg1"/>
+                </a:solidFill>
+                <a:latin typeface="Microsoft YaHei" panose="020B0503020204020204" pitchFamily="34" charset="-122"/>
+                <a:ea typeface="Microsoft YaHei" panose="020B0503020204020204" pitchFamily="34" charset="-122"/>
+              </a:rPr>
+              <a:t>3.6</a:t>
+            </a:r>
+            <a:endParaRPr lang="en-US" altLang="zh-CN" sz="2800" b="1" dirty="0">
+              <a:solidFill>
+                <a:schemeClr val="bg1"/>
+              </a:solidFill>
+              <a:latin typeface="Microsoft YaHei" panose="020B0503020204020204" pitchFamily="34" charset="-122"/>
+              <a:ea typeface="Microsoft YaHei" panose="020B0503020204020204" pitchFamily="34" charset="-122"/>
+            </a:endParaRPr>
+          </a:p>
+        </p:txBody>
+      </p:sp>
+      <p:sp>
+        <p:nvSpPr>
+          <p:cNvPr id="16" name="Rectangle 6"/>
+          <p:cNvSpPr>
+            <a:spLocks noChangeArrowheads="1"/>
+          </p:cNvSpPr>
+          <p:nvPr/>
+        </p:nvSpPr>
+        <p:spPr bwMode="black">
+          <a:xfrm>
+            <a:off x="1021080" y="351155"/>
+            <a:ext cx="6515735" cy="521970"/>
+          </a:xfrm>
+          <a:prstGeom prst="rect">
+            <a:avLst/>
+          </a:prstGeom>
+          <a:noFill/>
+          <a:ln>
+            <a:noFill/>
+          </a:ln>
+          <a:effectLst/>
+          <a:extLst>
+            <a:ext uri="{909E8E84-426E-40DD-AFC4-6F175D3DCCD1}">
+              <a14:hiddenFill xmlns:a14="http://schemas.microsoft.com/office/drawing/2010/main">
+                <a:solidFill>
+                  <a:schemeClr val="accent1"/>
+                </a:solidFill>
+              </a14:hiddenFill>
+            </a:ext>
+            <a:ext uri="{91240B29-F687-4F45-9708-019B960494DF}">
+              <a14:hiddenLine xmlns:a14="http://schemas.microsoft.com/office/drawing/2010/main" w="9525">
+                <a:solidFill>
+                  <a:schemeClr val="tx1"/>
+                </a:solidFill>
+                <a:miter lim="800000"/>
+                <a:headEnd/>
+                <a:tailEnd/>
+              </a14:hiddenLine>
+            </a:ext>
+            <a:ext uri="{AF507438-7753-43E0-B8FC-AC1667EBCBE1}">
+              <a14:hiddenEffects xmlns:a14="http://schemas.microsoft.com/office/drawing/2010/main">
+                <a:effectLst>
+                  <a:outerShdw dist="35921" dir="2700000" algn="ctr" rotWithShape="0">
+                    <a:schemeClr val="bg2"/>
+                  </a:outerShdw>
+                </a:effectLst>
+              </a14:hiddenEffects>
+            </a:ext>
+          </a:extLst>
+        </p:spPr>
+        <p:txBody>
+          <a:bodyPr wrap="square">
+            <a:spAutoFit/>
+          </a:bodyPr>
+          <a:lstStyle/>
+          <a:p>
+            <a:pPr marL="0" marR="0" lvl="0" indent="0" algn="l" defTabSz="914400" rtl="0" eaLnBrk="0" fontAlgn="auto" latinLnBrk="0" hangingPunct="0">
+              <a:lnSpc>
+                <a:spcPct val="100000"/>
+              </a:lnSpc>
+              <a:spcBef>
+                <a:spcPts val="0"/>
+              </a:spcBef>
+              <a:spcAft>
+                <a:spcPts val="0"/>
+              </a:spcAft>
+              <a:buClrTx/>
+              <a:buSzTx/>
+              <a:buFontTx/>
+              <a:buNone/>
+              <a:defRPr/>
+            </a:pPr>
+            <a:r>
+              <a:rPr kumimoji="0" lang="en-US" altLang="zh-CN" sz="2800" b="1" i="0" u="none" strike="noStrike" kern="1200" cap="none" spc="0" normalizeH="0" baseline="0" noProof="0" dirty="0">
+                <a:ln>
+                  <a:noFill/>
+                </a:ln>
+                <a:solidFill>
+                  <a:schemeClr val="tx1">
+                    <a:lumMod val="85000"/>
+                    <a:lumOff val="15000"/>
+                  </a:schemeClr>
+                </a:solidFill>
+                <a:effectLst/>
+                <a:uLnTx/>
+                <a:uFillTx/>
+                <a:latin typeface="Microsoft YaHei" panose="020B0503020204020204" pitchFamily="34" charset="-122"/>
+                <a:ea typeface="Microsoft YaHei" panose="020B0503020204020204" pitchFamily="34" charset="-122"/>
+                <a:cs typeface="+mn-cs"/>
+                <a:sym typeface="+mn-ea"/>
+              </a:rPr>
+              <a:t>Use Cases: Stack and Queue</a:t>
+            </a:r>
+            <a:endParaRPr kumimoji="0" lang="en-US" altLang="zh-CN" sz="2800" b="1" i="0" u="none" strike="noStrike" kern="1200" cap="none" spc="0" normalizeH="0" baseline="0" noProof="0" dirty="0">
+              <a:ln>
+                <a:noFill/>
+              </a:ln>
+              <a:solidFill>
+                <a:schemeClr val="tx1">
+                  <a:lumMod val="85000"/>
+                  <a:lumOff val="15000"/>
+                </a:schemeClr>
+              </a:solidFill>
+              <a:effectLst/>
+              <a:uLnTx/>
+              <a:uFillTx/>
+              <a:latin typeface="Microsoft YaHei" panose="020B0503020204020204" pitchFamily="34" charset="-122"/>
+              <a:ea typeface="Microsoft YaHei" panose="020B0503020204020204" pitchFamily="34" charset="-122"/>
+              <a:cs typeface="+mn-cs"/>
+              <a:sym typeface="+mn-ea"/>
+            </a:endParaRPr>
+          </a:p>
+        </p:txBody>
+      </p:sp>
+      <p:sp>
+        <p:nvSpPr>
+          <p:cNvPr id="3" name="Content Placeholder 2"/>
+          <p:cNvSpPr/>
+          <p:nvPr>
+            <p:ph idx="1"/>
+          </p:nvPr>
+        </p:nvSpPr>
+        <p:spPr/>
+        <p:txBody>
+          <a:bodyPr/>
+          <a:p>
+            <a:r>
+              <a:rPr lang="en-US"/>
+              <a:t>The most powerful usecases will come in later weeks:</a:t>
+            </a:r>
+            <a:endParaRPr lang="en-US"/>
+          </a:p>
+          <a:p>
+            <a:pPr lvl="1"/>
+            <a:r>
+              <a:rPr lang="en-US"/>
+              <a:t>Binary Tree Traversals</a:t>
+            </a:r>
+            <a:endParaRPr lang="en-US"/>
+          </a:p>
+          <a:p>
+            <a:pPr lvl="1"/>
+            <a:r>
+              <a:rPr lang="en-US"/>
+              <a:t>Graph Traversals</a:t>
+            </a:r>
+            <a:endParaRPr lang="en-US"/>
+          </a:p>
+          <a:p>
+            <a:pPr lvl="1"/>
+            <a:r>
+              <a:rPr lang="en-US"/>
+              <a:t>Recursion (ie Stack Overflow)</a:t>
+            </a:r>
+            <a:endParaRPr lang="en-US"/>
+          </a:p>
+          <a:p>
+            <a:pPr lvl="1"/>
+            <a:r>
+              <a:rPr lang="en-US"/>
+              <a:t>Job Queues</a:t>
+            </a:r>
+            <a:endParaRPr lang="en-US"/>
+          </a:p>
+        </p:txBody>
+      </p:sp>
+    </p:spTree>
+  </p:cSld>
+  <p:clrMapOvr>
+    <a:masterClrMapping/>
+  </p:clrMapOvr>
+  <p:transition spd="slow">
+    <p:wipe/>
+  </p:transition>
+</p:sld>
+</file>
+
+<file path=ppt/slides/slide21.xml><?xml version="1.0" encoding="utf-8"?>
+<p:sld xmlns:a="http://schemas.openxmlformats.org/drawingml/2006/main" xmlns:r="http://schemas.openxmlformats.org/officeDocument/2006/relationships" xmlns:p="http://schemas.openxmlformats.org/presentationml/2006/main">
+  <p:cSld>
+    <p:spTree>
+      <p:nvGrpSpPr>
+        <p:cNvPr id="1" name=""/>
+        <p:cNvGrpSpPr/>
+        <p:nvPr/>
+      </p:nvGrpSpPr>
+      <p:grpSpPr/>
+      <p:sp>
+        <p:nvSpPr>
           <p:cNvPr id="46" name="任意多边形 45"/>
           <p:cNvSpPr/>
           <p:nvPr/>
@@ -10423,7 +10787,7 @@
 </p:sld>
 </file>
 
-<file path=ppt/slides/slide21.xml><?xml version="1.0" encoding="utf-8"?>
+<file path=ppt/slides/slide22.xml><?xml version="1.0" encoding="utf-8"?>
 <p:sld xmlns:a="http://schemas.openxmlformats.org/drawingml/2006/main" xmlns:r="http://schemas.openxmlformats.org/officeDocument/2006/relationships" xmlns:p="http://schemas.openxmlformats.org/presentationml/2006/main">
   <p:cSld>
     <p:spTree>
@@ -10819,7 +11183,7 @@
 </p:sld>
 </file>
 
-<file path=ppt/slides/slide22.xml><?xml version="1.0" encoding="utf-8"?>
+<file path=ppt/slides/slide23.xml><?xml version="1.0" encoding="utf-8"?>
 <p:sld xmlns:a="http://schemas.openxmlformats.org/drawingml/2006/main" xmlns:r="http://schemas.openxmlformats.org/officeDocument/2006/relationships" xmlns:p="http://schemas.openxmlformats.org/presentationml/2006/main">
   <p:cSld>
     <p:spTree>
@@ -11190,7 +11554,7 @@
 </p:sld>
 </file>
 
-<file path=ppt/slides/slide23.xml><?xml version="1.0" encoding="utf-8"?>
+<file path=ppt/slides/slide24.xml><?xml version="1.0" encoding="utf-8"?>
 <p:sld xmlns:a="http://schemas.openxmlformats.org/drawingml/2006/main" xmlns:r="http://schemas.openxmlformats.org/officeDocument/2006/relationships" xmlns:p="http://schemas.openxmlformats.org/presentationml/2006/main">
   <p:cSld>
     <p:spTree>
@@ -11557,7 +11921,7 @@
 </p:sld>
 </file>
 
-<file path=ppt/slides/slide24.xml><?xml version="1.0" encoding="utf-8"?>
+<file path=ppt/slides/slide25.xml><?xml version="1.0" encoding="utf-8"?>
 <p:sld xmlns:a="http://schemas.openxmlformats.org/drawingml/2006/main" xmlns:r="http://schemas.openxmlformats.org/officeDocument/2006/relationships" xmlns:p="http://schemas.openxmlformats.org/presentationml/2006/main">
   <p:cSld>
     <p:spTree>
@@ -11938,7 +12302,7 @@
 </p:sld>
 </file>
 
-<file path=ppt/slides/slide25.xml><?xml version="1.0" encoding="utf-8"?>
+<file path=ppt/slides/slide26.xml><?xml version="1.0" encoding="utf-8"?>
 <p:sld xmlns:a="http://schemas.openxmlformats.org/drawingml/2006/main" xmlns:r="http://schemas.openxmlformats.org/officeDocument/2006/relationships" xmlns:p="http://schemas.openxmlformats.org/presentationml/2006/main">
   <p:cSld>
     <p:spTree>
